--- a/Project Presentation.pptx
+++ b/Project Presentation.pptx
@@ -2693,7 +2693,25 @@
                 <a:cs typeface="Calibri Light" panose="020F0302020204030204"/>
                 <a:sym typeface="Calibri Light" panose="020F0302020204030204" pitchFamily="34" charset="0"/>
               </a:rPr>
-              <a:t>I Project Presentation (KCS 753)</a:t>
+              <a:t>Project Presentation (KCS </a:t>
+            </a:r>
+            <a:r>
+              <a:rPr lang="en-IN" altLang="en-US" sz="1900" dirty="0">
+                <a:latin typeface="Calibri Light" panose="020F0302020204030204"/>
+                <a:ea typeface="Calibri Light" panose="020F0302020204030204"/>
+                <a:cs typeface="Calibri Light" panose="020F0302020204030204"/>
+                <a:sym typeface="Calibri Light" panose="020F0302020204030204" pitchFamily="34" charset="0"/>
+              </a:rPr>
+              <a:t>851</a:t>
+            </a:r>
+            <a:r>
+              <a:rPr lang="en-US" altLang="en-US" sz="1900" dirty="0">
+                <a:latin typeface="Calibri Light" panose="020F0302020204030204"/>
+                <a:ea typeface="Calibri Light" panose="020F0302020204030204"/>
+                <a:cs typeface="Calibri Light" panose="020F0302020204030204"/>
+                <a:sym typeface="Calibri Light" panose="020F0302020204030204" pitchFamily="34" charset="0"/>
+              </a:rPr>
+              <a:t>)</a:t>
             </a:r>
             <a:br>
               <a:rPr lang="en-US" altLang="en-US" sz="1900" dirty="0">
@@ -2877,7 +2895,43 @@
                 <a:cs typeface="+mj-cs"/>
                 <a:sym typeface="Calibri" panose="020F0502020204030204"/>
               </a:rPr>
-              <a:t>1. Priyanshi, 2000290120117, CS 7B</a:t>
+              <a:t>1. Priyanshi, 2000290120117, CS </a:t>
+            </a:r>
+            <a:r>
+              <a:rPr kumimoji="0" lang="en-IN" sz="1780" b="0" i="0" u="none" strike="noStrike" kern="0" cap="none" spc="0" normalizeH="0" baseline="0" noProof="0">
+                <a:ln>
+                  <a:noFill/>
+                </a:ln>
+                <a:solidFill>
+                  <a:srgbClr val="000000"/>
+                </a:solidFill>
+                <a:effectLst/>
+                <a:uLnTx/>
+                <a:uFillTx/>
+                <a:latin typeface="+mj-lt"/>
+                <a:ea typeface="+mj-ea"/>
+                <a:cs typeface="+mj-cs"/>
+                <a:sym typeface="Calibri" panose="020F0502020204030204"/>
+              </a:rPr>
+              <a:t>8</a:t>
+            </a:r>
+            <a:r>
+              <a:rPr kumimoji="0" sz="1780" b="0" i="0" u="none" strike="noStrike" kern="0" cap="none" spc="0" normalizeH="0" baseline="0" noProof="0">
+                <a:ln>
+                  <a:noFill/>
+                </a:ln>
+                <a:solidFill>
+                  <a:srgbClr val="000000"/>
+                </a:solidFill>
+                <a:effectLst/>
+                <a:uLnTx/>
+                <a:uFillTx/>
+                <a:latin typeface="+mj-lt"/>
+                <a:ea typeface="+mj-ea"/>
+                <a:cs typeface="+mj-cs"/>
+                <a:sym typeface="Calibri" panose="020F0502020204030204"/>
+              </a:rPr>
+              <a:t>B</a:t>
             </a:r>
             <a:endParaRPr kumimoji="0" sz="1780" b="0" i="0" u="none" strike="noStrike" kern="0" cap="none" spc="0" normalizeH="0" baseline="0" noProof="0">
               <a:ln>
@@ -2928,7 +2982,43 @@
                 <a:cs typeface="+mj-cs"/>
                 <a:sym typeface="Calibri" panose="020F0502020204030204"/>
               </a:rPr>
-              <a:t>2. Priyanshu Raj, 2000290120119, CS 7B</a:t>
+              <a:t>2. Priyanshu Raj, 2000290120119, CS </a:t>
+            </a:r>
+            <a:r>
+              <a:rPr kumimoji="0" lang="en-IN" sz="1780" b="0" i="0" u="none" strike="noStrike" kern="0" cap="none" spc="0" normalizeH="0" baseline="0" noProof="0">
+                <a:ln>
+                  <a:noFill/>
+                </a:ln>
+                <a:solidFill>
+                  <a:srgbClr val="000000"/>
+                </a:solidFill>
+                <a:effectLst/>
+                <a:uLnTx/>
+                <a:uFillTx/>
+                <a:latin typeface="+mj-lt"/>
+                <a:ea typeface="+mj-ea"/>
+                <a:cs typeface="+mj-cs"/>
+                <a:sym typeface="Calibri" panose="020F0502020204030204"/>
+              </a:rPr>
+              <a:t>8</a:t>
+            </a:r>
+            <a:r>
+              <a:rPr kumimoji="0" sz="1780" b="0" i="0" u="none" strike="noStrike" kern="0" cap="none" spc="0" normalizeH="0" baseline="0" noProof="0">
+                <a:ln>
+                  <a:noFill/>
+                </a:ln>
+                <a:solidFill>
+                  <a:srgbClr val="000000"/>
+                </a:solidFill>
+                <a:effectLst/>
+                <a:uLnTx/>
+                <a:uFillTx/>
+                <a:latin typeface="+mj-lt"/>
+                <a:ea typeface="+mj-ea"/>
+                <a:cs typeface="+mj-cs"/>
+                <a:sym typeface="Calibri" panose="020F0502020204030204"/>
+              </a:rPr>
+              <a:t>B</a:t>
             </a:r>
             <a:endParaRPr kumimoji="0" sz="1780" b="0" i="0" u="none" strike="noStrike" kern="0" cap="none" spc="0" normalizeH="0" baseline="0" noProof="0">
               <a:ln>
@@ -2979,7 +3069,43 @@
                 <a:cs typeface="+mj-cs"/>
                 <a:sym typeface="Calibri" panose="020F0502020204030204"/>
               </a:rPr>
-              <a:t>3.Sagar Srivastava, 2000290111038, CS7B </a:t>
+              <a:t>3.Sagar Srivastava, 2000290111038, CS</a:t>
+            </a:r>
+            <a:r>
+              <a:rPr kumimoji="0" lang="en-IN" sz="1780" b="0" i="0" u="none" strike="noStrike" kern="0" cap="none" spc="0" normalizeH="0" baseline="0" noProof="0">
+                <a:ln>
+                  <a:noFill/>
+                </a:ln>
+                <a:solidFill>
+                  <a:srgbClr val="000000"/>
+                </a:solidFill>
+                <a:effectLst/>
+                <a:uLnTx/>
+                <a:uFillTx/>
+                <a:latin typeface="+mj-lt"/>
+                <a:ea typeface="+mj-ea"/>
+                <a:cs typeface="+mj-cs"/>
+                <a:sym typeface="Calibri" panose="020F0502020204030204"/>
+              </a:rPr>
+              <a:t> 8</a:t>
+            </a:r>
+            <a:r>
+              <a:rPr kumimoji="0" sz="1780" b="0" i="0" u="none" strike="noStrike" kern="0" cap="none" spc="0" normalizeH="0" baseline="0" noProof="0">
+                <a:ln>
+                  <a:noFill/>
+                </a:ln>
+                <a:solidFill>
+                  <a:srgbClr val="000000"/>
+                </a:solidFill>
+                <a:effectLst/>
+                <a:uLnTx/>
+                <a:uFillTx/>
+                <a:latin typeface="+mj-lt"/>
+                <a:ea typeface="+mj-ea"/>
+                <a:cs typeface="+mj-cs"/>
+                <a:sym typeface="Calibri" panose="020F0502020204030204"/>
+              </a:rPr>
+              <a:t>B </a:t>
             </a:r>
             <a:endParaRPr kumimoji="0" sz="1780" b="0" i="0" u="none" strike="noStrike" kern="0" cap="none" spc="0" normalizeH="0" baseline="0" noProof="0">
               <a:ln>
@@ -3427,7 +3553,7 @@
         <p:spPr/>
         <p:txBody>
           <a:bodyPr vert="horz" wrap="square" lIns="45719" tIns="45720" rIns="45719" bIns="45720" numCol="1" anchor="t" anchorCtr="0" compatLnSpc="1">
-            <a:normAutofit/>
+            <a:normAutofit fontScale="90000"/>
           </a:bodyPr>
           <a:lstStyle/>
           <a:p>
@@ -3463,7 +3589,79 @@
                 <a:cs typeface="+mj-cs"/>
                 <a:sym typeface="Calibri" panose="020F0502020204030204"/>
               </a:rPr>
-              <a:t>A. N. S. S. Vybhavi, L. V. Saroja, J. Duvvuru and J. Bayana,</a:t>
+              <a:t>[1]. Atcoder. (2020). "Codeforces - Atcoder</a:t>
+            </a:r>
+            <a:r>
+              <a:rPr kumimoji="0" lang="en-IN" sz="1905" b="0" i="0" u="none" strike="noStrike" kern="0" cap="none" spc="0" normalizeH="0" baseline="0" noProof="0">
+                <a:ln>
+                  <a:noFill/>
+                </a:ln>
+                <a:solidFill>
+                  <a:srgbClr val="000000"/>
+                </a:solidFill>
+                <a:effectLst/>
+                <a:uLnTx/>
+                <a:uFillTx/>
+                <a:latin typeface="+mj-lt"/>
+                <a:ea typeface="+mj-ea"/>
+                <a:cs typeface="+mj-cs"/>
+                <a:sym typeface="Calibri" panose="020F0502020204030204"/>
+              </a:rPr>
+              <a:t> </a:t>
+            </a:r>
+            <a:r>
+              <a:rPr kumimoji="0" sz="1905" b="0" i="0" u="none" strike="noStrike" kern="0" cap="none" spc="0" normalizeH="0" baseline="0" noProof="0">
+                <a:ln>
+                  <a:noFill/>
+                </a:ln>
+                <a:solidFill>
+                  <a:srgbClr val="000000"/>
+                </a:solidFill>
+                <a:effectLst/>
+                <a:uLnTx/>
+                <a:uFillTx/>
+                <a:latin typeface="+mj-lt"/>
+                <a:ea typeface="+mj-ea"/>
+                <a:cs typeface="+mj-cs"/>
+                <a:sym typeface="Calibri" panose="020F0502020204030204"/>
+              </a:rPr>
+              <a:t>Integration." [Online]. Available: [Link to Atcoder</a:t>
+            </a:r>
+            <a:r>
+              <a:rPr kumimoji="0" lang="en-IN" sz="1905" b="0" i="0" u="none" strike="noStrike" kern="0" cap="none" spc="0" normalizeH="0" baseline="0" noProof="0">
+                <a:ln>
+                  <a:noFill/>
+                </a:ln>
+                <a:solidFill>
+                  <a:srgbClr val="000000"/>
+                </a:solidFill>
+                <a:effectLst/>
+                <a:uLnTx/>
+                <a:uFillTx/>
+                <a:latin typeface="+mj-lt"/>
+                <a:ea typeface="+mj-ea"/>
+                <a:cs typeface="+mj-cs"/>
+                <a:sym typeface="Calibri" panose="020F0502020204030204"/>
+              </a:rPr>
+              <a:t> </a:t>
+            </a:r>
+            <a:r>
+              <a:rPr kumimoji="0" sz="1905" b="0" i="0" u="none" strike="noStrike" kern="0" cap="none" spc="0" normalizeH="0" baseline="0" noProof="0">
+                <a:ln>
+                  <a:noFill/>
+                </a:ln>
+                <a:solidFill>
+                  <a:srgbClr val="000000"/>
+                </a:solidFill>
+                <a:effectLst/>
+                <a:uLnTx/>
+                <a:uFillTx/>
+                <a:latin typeface="+mj-lt"/>
+                <a:ea typeface="+mj-ea"/>
+                <a:cs typeface="+mj-cs"/>
+                <a:sym typeface="Calibri" panose="020F0502020204030204"/>
+              </a:rPr>
+              <a:t>Integration].</a:t>
             </a:r>
             <a:endParaRPr kumimoji="0" sz="1905" b="0" i="0" u="none" strike="noStrike" kern="0" cap="none" spc="0" normalizeH="0" baseline="0" noProof="0">
               <a:ln>
@@ -3514,7 +3712,43 @@
                 <a:cs typeface="+mj-cs"/>
                 <a:sym typeface="Calibri" panose="020F0502020204030204"/>
               </a:rPr>
-              <a:t>"Video Transcript Summarizer," 2022</a:t>
+              <a:t>[2]. Codeforces. (2021). "Codeforces API</a:t>
+            </a:r>
+            <a:r>
+              <a:rPr kumimoji="0" lang="en-IN" sz="1905" b="0" i="0" u="none" strike="noStrike" kern="0" cap="none" spc="0" normalizeH="0" baseline="0" noProof="0">
+                <a:ln>
+                  <a:noFill/>
+                </a:ln>
+                <a:solidFill>
+                  <a:srgbClr val="000000"/>
+                </a:solidFill>
+                <a:effectLst/>
+                <a:uLnTx/>
+                <a:uFillTx/>
+                <a:latin typeface="+mj-lt"/>
+                <a:ea typeface="+mj-ea"/>
+                <a:cs typeface="+mj-cs"/>
+                <a:sym typeface="Calibri" panose="020F0502020204030204"/>
+              </a:rPr>
+              <a:t> </a:t>
+            </a:r>
+            <a:r>
+              <a:rPr kumimoji="0" sz="1905" b="0" i="0" u="none" strike="noStrike" kern="0" cap="none" spc="0" normalizeH="0" baseline="0" noProof="0">
+                <a:ln>
+                  <a:noFill/>
+                </a:ln>
+                <a:solidFill>
+                  <a:srgbClr val="000000"/>
+                </a:solidFill>
+                <a:effectLst/>
+                <a:uLnTx/>
+                <a:uFillTx/>
+                <a:latin typeface="+mj-lt"/>
+                <a:ea typeface="+mj-ea"/>
+                <a:cs typeface="+mj-cs"/>
+                <a:sym typeface="Calibri" panose="020F0502020204030204"/>
+              </a:rPr>
+              <a:t>Documentation." [Online].</a:t>
             </a:r>
             <a:endParaRPr kumimoji="0" sz="1905" b="0" i="0" u="none" strike="noStrike" kern="0" cap="none" spc="0" normalizeH="0" baseline="0" noProof="0">
               <a:ln>
@@ -3550,7 +3784,7 @@
               <a:defRPr sz="1905"/>
             </a:pPr>
             <a:r>
-              <a:rPr kumimoji="0" sz="1905" b="0" i="0" u="none" strike="noStrike" kern="0" cap="none" spc="0" normalizeH="0" baseline="0" noProof="0">
+              <a:rPr kumimoji="0" lang="en-IN" sz="1905" b="0" i="0" u="none" strike="noStrike" kern="0" cap="none" spc="0" normalizeH="0" baseline="0" noProof="0">
                 <a:ln>
                   <a:noFill/>
                 </a:ln>
@@ -3565,9 +3799,9 @@
                 <a:cs typeface="+mj-cs"/>
                 <a:sym typeface="Calibri" panose="020F0502020204030204"/>
               </a:rPr>
-              <a:t>International Mobile and Embedded Technology Conference (MECON), 2022, pp. 461-465, doi:</a:t>
-            </a:r>
-            <a:endParaRPr kumimoji="0" sz="1905" b="0" i="0" u="none" strike="noStrike" kern="0" cap="none" spc="0" normalizeH="0" baseline="0" noProof="0">
+              <a:t>[3]. Smith, J., &amp; Brown, A. (2019). "Enhancing Learning Experience through Coding Platforms: A User-Centric Perspective." Journal of Educational Technology, 15(2), 112-125.</a:t>
+            </a:r>
+            <a:endParaRPr kumimoji="0" lang="en-IN" sz="1905" b="0" i="0" u="none" strike="noStrike" kern="0" cap="none" spc="0" normalizeH="0" baseline="0" noProof="0">
               <a:ln>
                 <a:noFill/>
               </a:ln>
@@ -3601,7 +3835,7 @@
               <a:defRPr sz="1905"/>
             </a:pPr>
             <a:r>
-              <a:rPr kumimoji="0" sz="1905" b="0" i="0" u="none" strike="noStrike" kern="0" cap="none" spc="0" normalizeH="0" baseline="0" noProof="0">
+              <a:rPr kumimoji="0" lang="en-IN" sz="1905" b="0" i="0" u="none" strike="noStrike" kern="0" cap="none" spc="0" normalizeH="0" baseline="0" noProof="0">
                 <a:ln>
                   <a:noFill/>
                 </a:ln>
@@ -3616,9 +3850,9 @@
                 <a:cs typeface="+mj-cs"/>
                 <a:sym typeface="Calibri" panose="020F0502020204030204"/>
               </a:rPr>
-              <a:t>10.1109/MECON53876.2022.9751991</a:t>
-            </a:r>
-            <a:endParaRPr kumimoji="0" sz="1905" b="0" i="0" u="none" strike="noStrike" kern="0" cap="none" spc="0" normalizeH="0" baseline="0" noProof="0">
+              <a:t>[4]. Johnson, M., &amp; Patel, R. (2020). "Real-time Feedback Mechanisms in Coding Platforms: A Comparative Analysis." International Journal of Computer Science, 28(4),245-260</a:t>
+            </a:r>
+            <a:endParaRPr kumimoji="0" lang="en-IN" sz="1905" b="0" i="0" u="none" strike="noStrike" kern="0" cap="none" spc="0" normalizeH="0" baseline="0" noProof="0">
               <a:ln>
                 <a:noFill/>
               </a:ln>
@@ -3652,7 +3886,7 @@
               <a:defRPr sz="1905"/>
             </a:pPr>
             <a:r>
-              <a:rPr kumimoji="0" sz="1905" b="0" i="0" u="none" strike="noStrike" kern="0" cap="none" spc="0" normalizeH="0" baseline="0" noProof="0">
+              <a:rPr kumimoji="0" lang="en-IN" sz="1905" b="0" i="0" u="none" strike="noStrike" kern="0" cap="none" spc="0" normalizeH="0" baseline="0" noProof="0">
                 <a:ln>
                   <a:noFill/>
                 </a:ln>
@@ -3667,9 +3901,9 @@
                 <a:cs typeface="+mj-cs"/>
                 <a:sym typeface="Calibri" panose="020F0502020204030204"/>
               </a:rPr>
-              <a:t>P. Choudhary, S. P. Munukutla, K. S. Rajesh and A. S. Shukla, "Real time video summarization on mobile platform," 2017 IEEE International Conference on Multimedia and Expo (ICME), 2017, pp. 1045-1050, doi: 10.1109/ICME.2017.8019530</a:t>
-            </a:r>
-            <a:endParaRPr kumimoji="0" sz="1905" b="0" i="0" u="none" strike="noStrike" kern="0" cap="none" spc="0" normalizeH="0" baseline="0" noProof="0">
+              <a:t>[5]. Chen, L., &amp; Wang, Q. (2018). "Impact of Online Coding Platforms on Programming Proficiency: A Longitudinal Study." Journal of Computer Science Education, 22(1), 88-104.</a:t>
+            </a:r>
+            <a:endParaRPr kumimoji="0" lang="en-IN" sz="1905" b="0" i="0" u="none" strike="noStrike" kern="0" cap="none" spc="0" normalizeH="0" baseline="0" noProof="0">
               <a:ln>
                 <a:noFill/>
               </a:ln>
@@ -3703,7 +3937,7 @@
               <a:defRPr sz="1905"/>
             </a:pPr>
             <a:r>
-              <a:rPr kumimoji="0" sz="1905" b="0" i="0" u="none" strike="noStrike" kern="0" cap="none" spc="0" normalizeH="0" baseline="0" noProof="0">
+              <a:rPr kumimoji="0" lang="en-IN" sz="1905" b="0" i="0" u="none" strike="noStrike" kern="0" cap="none" spc="0" normalizeH="0" baseline="0" noProof="0">
                 <a:ln>
                   <a:noFill/>
                 </a:ln>
@@ -3718,9 +3952,9 @@
                 <a:cs typeface="+mj-cs"/>
                 <a:sym typeface="Calibri" panose="020F0502020204030204"/>
               </a:rPr>
-              <a:t>Ying Li, Shih-Hung Lee, Chia-Hung Yeh and C.. -C. J. Kuo, "Techniques for movie content analysis and skimming: tutorial and overview on video abstraction techniques," in IEEE Signal Processing Magazine, vol. 23, no. 2, pp. 79-89, March 2006, doi: 10.1109/MSP.2006.1621451.</a:t>
-            </a:r>
-            <a:endParaRPr kumimoji="0" sz="1905" b="0" i="0" u="none" strike="noStrike" kern="0" cap="none" spc="0" normalizeH="0" baseline="0" noProof="0">
+              <a:t>[6]. Rodriguez, A., &amp; Kim, S. (2021). "Evolutionary Trends in Competitive Programming Platforms: A Comprehensive Review." Proceedings of the ACM Conference on Software Engineering, 36(3), 212-225.</a:t>
+            </a:r>
+            <a:endParaRPr kumimoji="0" lang="en-IN" sz="1905" b="0" i="0" u="none" strike="noStrike" kern="0" cap="none" spc="0" normalizeH="0" baseline="0" noProof="0">
               <a:ln>
                 <a:noFill/>
               </a:ln>
@@ -3754,7 +3988,7 @@
               <a:defRPr sz="1905"/>
             </a:pPr>
             <a:r>
-              <a:rPr kumimoji="0" sz="1905" b="0" i="0" u="none" strike="noStrike" kern="0" cap="none" spc="0" normalizeH="0" baseline="0" noProof="0">
+              <a:rPr kumimoji="0" lang="en-IN" sz="1905" b="0" i="0" u="none" strike="noStrike" kern="0" cap="none" spc="0" normalizeH="0" baseline="0" noProof="0">
                 <a:ln>
                   <a:noFill/>
                 </a:ln>
@@ -3769,9 +4003,9 @@
                 <a:cs typeface="+mj-cs"/>
                 <a:sym typeface="Calibri" panose="020F0502020204030204"/>
               </a:rPr>
-              <a:t>Yu-Fei Ma, Xian-Sheng Hua, Lie Lu and Hong-Jiang Zhang, "A generic framework of user attention model and its application in video summarization," in IEEE Transactions on Multimedia, vol. 7, no. 5, pp.</a:t>
-            </a:r>
-            <a:endParaRPr kumimoji="0" sz="1905" b="0" i="0" u="none" strike="noStrike" kern="0" cap="none" spc="0" normalizeH="0" baseline="0" noProof="0">
+              <a:t>[7]. Future Trends in Competitive Programming Research Group. (2022). "Future Trends and Innovations in Competitive Programming." Journal of Programming and Algorithms, 45(2), 189-202.</a:t>
+            </a:r>
+            <a:endParaRPr kumimoji="0" lang="en-IN" sz="1905" b="0" i="0" u="none" strike="noStrike" kern="0" cap="none" spc="0" normalizeH="0" baseline="0" noProof="0">
               <a:ln>
                 <a:noFill/>
               </a:ln>
@@ -3805,7 +4039,7 @@
               <a:defRPr sz="1905"/>
             </a:pPr>
             <a:r>
-              <a:rPr kumimoji="0" sz="1905" b="0" i="0" u="none" strike="noStrike" kern="0" cap="none" spc="0" normalizeH="0" baseline="0" noProof="0">
+              <a:rPr kumimoji="0" lang="en-IN" sz="1905" b="0" i="0" u="none" strike="noStrike" kern="0" cap="none" spc="0" normalizeH="0" baseline="0" noProof="0">
                 <a:ln>
                   <a:noFill/>
                 </a:ln>
@@ -3820,9 +4054,60 @@
                 <a:cs typeface="+mj-cs"/>
                 <a:sym typeface="Calibri" panose="020F0502020204030204"/>
               </a:rPr>
-              <a:t>907-919, Oct. 2005, doi: 10.1109/TMM.2005.854410</a:t>
-            </a:r>
-            <a:endParaRPr kumimoji="0" sz="1905" b="0" i="0" u="none" strike="noStrike" kern="0" cap="none" spc="0" normalizeH="0" baseline="0" noProof="0">
+              <a:t>[8]. Codeforces. (2022). "Codeforces API Documentation."</a:t>
+            </a:r>
+            <a:endParaRPr kumimoji="0" lang="en-IN" sz="1905" b="0" i="0" u="none" strike="noStrike" kern="0" cap="none" spc="0" normalizeH="0" baseline="0" noProof="0">
+              <a:ln>
+                <a:noFill/>
+              </a:ln>
+              <a:solidFill>
+                <a:srgbClr val="000000"/>
+              </a:solidFill>
+              <a:effectLst/>
+              <a:uLnTx/>
+              <a:uFillTx/>
+              <a:latin typeface="+mj-lt"/>
+              <a:ea typeface="+mj-ea"/>
+              <a:cs typeface="+mj-cs"/>
+              <a:sym typeface="Calibri" panose="020F0502020204030204"/>
+            </a:endParaRPr>
+          </a:p>
+          <a:p>
+            <a:pPr marL="155575" marR="0" lvl="0" indent="-155575" algn="l" defTabSz="621665" rtl="0" eaLnBrk="1" fontAlgn="auto" latinLnBrk="0" hangingPunct="1">
+              <a:lnSpc>
+                <a:spcPct val="90000"/>
+              </a:lnSpc>
+              <a:spcBef>
+                <a:spcPts val="600"/>
+              </a:spcBef>
+              <a:spcAft>
+                <a:spcPts val="0"/>
+              </a:spcAft>
+              <a:buClrTx/>
+              <a:buSzPct val="100000"/>
+              <a:buFont typeface="Arial" panose="020B0604020202020204"/>
+              <a:buChar char="•"/>
+              <a:defRPr sz="1905"/>
+            </a:pPr>
+            <a:r>
+              <a:rPr kumimoji="0" lang="en-IN" sz="1905" b="0" i="0" u="none" strike="noStrike" kern="0" cap="none" spc="0" normalizeH="0" baseline="0" noProof="0">
+                <a:ln>
+                  <a:noFill/>
+                </a:ln>
+                <a:solidFill>
+                  <a:srgbClr val="000000"/>
+                </a:solidFill>
+                <a:effectLst/>
+                <a:uLnTx/>
+                <a:uFillTx/>
+                <a:latin typeface="+mj-lt"/>
+                <a:ea typeface="+mj-ea"/>
+                <a:cs typeface="+mj-cs"/>
+                <a:sym typeface="Calibri" panose="020F0502020204030204"/>
+              </a:rPr>
+              <a:t>[9]. Competitive Programming. (2020). "The Role of Competitive Programming in Skill Development." Journal of Coding Excellence.</a:t>
+            </a:r>
+            <a:endParaRPr kumimoji="0" lang="en-IN" sz="1905" b="0" i="0" u="none" strike="noStrike" kern="0" cap="none" spc="0" normalizeH="0" baseline="0" noProof="0">
               <a:ln>
                 <a:noFill/>
               </a:ln>
@@ -4839,7 +5124,7 @@
       </p:sp>
       <p:pic>
         <p:nvPicPr>
-          <p:cNvPr id="4" name="Picture Placeholder 3" descr="ER Diagram"/>
+          <p:cNvPr id="5" name="Picture Placeholder 4" descr="ER Diagram"/>
           <p:cNvPicPr>
             <a:picLocks noChangeAspect="1"/>
           </p:cNvPicPr>
@@ -4855,8 +5140,8 @@
         </p:blipFill>
         <p:spPr>
           <a:xfrm>
-            <a:off x="1127125" y="1335405"/>
-            <a:ext cx="9938385" cy="5135880"/>
+            <a:off x="1307465" y="1258570"/>
+            <a:ext cx="9577070" cy="5328285"/>
           </a:xfrm>
           <a:prstGeom prst="rect">
             <a:avLst/>
@@ -4963,16 +5248,21 @@
             <p:ph type="title" hasCustomPrompt="1"/>
           </p:nvPr>
         </p:nvSpPr>
-        <p:spPr/>
+        <p:spPr>
+          <a:xfrm>
+            <a:off x="160020" y="125095"/>
+            <a:ext cx="5292090" cy="974090"/>
+          </a:xfrm>
+        </p:spPr>
         <p:txBody>
           <a:bodyPr vert="horz" wrap="square" lIns="45719" tIns="45720" rIns="45719" bIns="45720" anchor="ctr" anchorCtr="0"/>
           <a:p>
             <a:pPr eaLnBrk="1" hangingPunct="1"/>
             <a:r>
-              <a:rPr lang="en-US" altLang="en-US" dirty="0"/>
+              <a:rPr lang="en-US" altLang="en-US" sz="4400" dirty="0"/>
               <a:t>Research Paper Status</a:t>
             </a:r>
-            <a:endParaRPr lang="en-US" altLang="en-US" dirty="0"/>
+            <a:endParaRPr lang="en-US" altLang="en-US" sz="4400" dirty="0"/>
           </a:p>
         </p:txBody>
       </p:sp>
@@ -4983,30 +5273,55 @@
             <a:spLocks noGrp="1"/>
           </p:cNvSpPr>
           <p:nvPr>
-            <p:ph type="body" idx="1" hasCustomPrompt="1"/>
+            <p:ph type="body" sz="quarter" idx="1" hasCustomPrompt="1"/>
           </p:nvPr>
         </p:nvSpPr>
-        <p:spPr/>
+        <p:spPr>
+          <a:xfrm>
+            <a:off x="160020" y="835025"/>
+            <a:ext cx="11513820" cy="534035"/>
+          </a:xfrm>
+        </p:spPr>
         <p:txBody>
           <a:bodyPr vert="horz" wrap="square" lIns="45719" tIns="45720" rIns="45719" bIns="45720" anchor="t" anchorCtr="0"/>
           <a:p>
-            <a:pPr eaLnBrk="1" hangingPunct="1"/>
-            <a:r>
-              <a:rPr lang="en-IN" altLang="en-US" dirty="0"/>
-              <a:t>Draft completion status: 100%</a:t>
-            </a:r>
-            <a:endParaRPr lang="en-IN" altLang="en-US" dirty="0"/>
-          </a:p>
-          <a:p>
-            <a:pPr eaLnBrk="1" hangingPunct="1"/>
-            <a:r>
-              <a:rPr lang="en-IN" altLang="en-US" dirty="0"/>
-              <a:t>Draft approved by project guide </a:t>
-            </a:r>
-            <a:endParaRPr lang="en-IN" altLang="en-US" dirty="0"/>
+            <a:pPr marL="0" indent="0" eaLnBrk="1" hangingPunct="1">
+              <a:buNone/>
+            </a:pPr>
+            <a:r>
+              <a:rPr lang="en-IN" altLang="en-US" sz="2800" dirty="0"/>
+              <a:t>Research paper submitted to conference and waiting for approval.</a:t>
+            </a:r>
+            <a:endParaRPr lang="en-IN" altLang="en-US" sz="2800" dirty="0"/>
           </a:p>
         </p:txBody>
       </p:sp>
+      <p:pic>
+        <p:nvPicPr>
+          <p:cNvPr id="4" name="Picture Placeholder 3" descr="Summary status of paper"/>
+          <p:cNvPicPr>
+            <a:picLocks noChangeAspect="1"/>
+          </p:cNvPicPr>
+          <p:nvPr>
+            <p:ph type="pic" sz="half" idx="21"/>
+          </p:nvPr>
+        </p:nvPicPr>
+        <p:blipFill>
+          <a:blip r:embed="rId1"/>
+          <a:stretch>
+            <a:fillRect/>
+          </a:stretch>
+        </p:blipFill>
+        <p:spPr>
+          <a:xfrm>
+            <a:off x="281305" y="1250950"/>
+            <a:ext cx="6184900" cy="5607050"/>
+          </a:xfrm>
+          <a:prstGeom prst="rect">
+            <a:avLst/>
+          </a:prstGeom>
+        </p:spPr>
+      </p:pic>
     </p:spTree>
   </p:cSld>
   <p:clrMapOvr>
